--- a/Poster/main.pptx
+++ b/Poster/main.pptx
@@ -1,6 +1,6 @@
 
 <file path=ppt/presentation.xml><?xml version="1.0" encoding="utf-8"?>
-<p:presentation xmlns:a="http://schemas.openxmlformats.org/drawingml/2006/main" xmlns:r="http://schemas.openxmlformats.org/officeDocument/2006/relationships" xmlns:p="http://schemas.openxmlformats.org/presentationml/2006/main" saveSubsetFonts="1">
+<p:presentation xmlns:a="http://schemas.openxmlformats.org/drawingml/2006/main" xmlns:r="http://schemas.openxmlformats.org/officeDocument/2006/relationships" xmlns:p="http://schemas.openxmlformats.org/presentationml/2006/main" saveSubsetFonts="1" autoCompressPictures="0">
   <p:sldMasterIdLst>
     <p:sldMasterId id="2147483650" r:id="rId1"/>
     <p:sldMasterId id="2147483653" r:id="rId2"/>
@@ -113,7 +113,7 @@
   </p:defaultTextStyle>
   <p:extLst>
     <p:ext uri="{EFAFB233-063F-42B5-8137-9DF3F51BA10A}">
-      <p15:sldGuideLst xmlns:p15="http://schemas.microsoft.com/office/powerpoint/2012/main" xmlns="">
+      <p15:sldGuideLst xmlns="" xmlns:p15="http://schemas.microsoft.com/office/powerpoint/2012/main">
         <p15:guide id="1" orient="horz" pos="3629">
           <p15:clr>
             <a:srgbClr val="A4A3A4"/>
@@ -147,7 +147,7 @@
       </p15:sldGuideLst>
     </p:ext>
     <p:ext uri="{2D200454-40CA-4A62-9FC3-DE9A4176ACB9}">
-      <p15:notesGuideLst xmlns:p15="http://schemas.microsoft.com/office/powerpoint/2012/main" xmlns="">
+      <p15:notesGuideLst xmlns="" xmlns:p15="http://schemas.microsoft.com/office/powerpoint/2012/main">
         <p15:guide id="1" orient="horz" pos="2880">
           <p15:clr>
             <a:srgbClr val="A4A3A4"/>
@@ -2542,7 +2542,7 @@
   </p:timing>
   <p:extLst>
     <p:ext uri="{DCECCB84-F9BA-43D5-87BE-67443E8EF086}">
-      <p15:sldGuideLst xmlns:p15="http://schemas.microsoft.com/office/powerpoint/2012/main" xmlns="">
+      <p15:sldGuideLst xmlns="" xmlns:p15="http://schemas.microsoft.com/office/powerpoint/2012/main">
         <p15:guide id="1" orient="horz" pos="2915" userDrawn="1">
           <p15:clr>
             <a:srgbClr val="FBAE40"/>
@@ -3728,7 +3728,7 @@
               <a:graphicData uri="http://schemas.openxmlformats.org/presentationml/2006/ole">
                 <mc:AlternateContent xmlns:mc="http://schemas.openxmlformats.org/markup-compatibility/2006">
                   <mc:Choice xmlns:v="urn:schemas-microsoft-com:vml" Requires="v">
-                    <p:oleObj spid="_x0000_s1094" name="Image" r:id="rId8" imgW="1828440" imgH="1117440" progId="Photoshop.Image.13">
+                    <p:oleObj spid="_x0000_s1102" name="Image" r:id="rId8" imgW="1828440" imgH="1117440" progId="Photoshop.Image.13">
                       <p:embed/>
                     </p:oleObj>
                   </mc:Choice>
@@ -3785,7 +3785,7 @@
               <a:graphicData uri="http://schemas.openxmlformats.org/presentationml/2006/ole">
                 <mc:AlternateContent xmlns:mc="http://schemas.openxmlformats.org/markup-compatibility/2006">
                   <mc:Choice xmlns:v="urn:schemas-microsoft-com:vml" Requires="v">
-                    <p:oleObj spid="_x0000_s1095" name="Image" r:id="rId10" imgW="1828440" imgH="1117440" progId="Photoshop.Image.13">
+                    <p:oleObj spid="_x0000_s1103" name="Image" r:id="rId10" imgW="1828440" imgH="1117440" progId="Photoshop.Image.13">
                       <p:embed/>
                     </p:oleObj>
                   </mc:Choice>
@@ -4968,7 +4968,7 @@
             <a:graphicData uri="http://schemas.openxmlformats.org/presentationml/2006/ole">
               <mc:AlternateContent xmlns:mc="http://schemas.openxmlformats.org/markup-compatibility/2006">
                 <mc:Choice xmlns:v="urn:schemas-microsoft-com:vml" Requires="v">
-                  <p:oleObj spid="_x0000_s1096" name="Image" r:id="rId12" imgW="4571280" imgH="1688760" progId="Photoshop.Image.13">
+                  <p:oleObj spid="_x0000_s1104" name="Image" r:id="rId12" imgW="4571280" imgH="1688760" progId="Photoshop.Image.13">
                     <p:embed/>
                   </p:oleObj>
                 </mc:Choice>
@@ -5052,7 +5052,7 @@
             <a:graphicData uri="http://schemas.openxmlformats.org/presentationml/2006/ole">
               <mc:AlternateContent xmlns:mc="http://schemas.openxmlformats.org/markup-compatibility/2006">
                 <mc:Choice xmlns:v="urn:schemas-microsoft-com:vml" Requires="v">
-                  <p:oleObj spid="_x0000_s1097" name="Image" r:id="rId15" imgW="1574280" imgH="1053720" progId="Photoshop.Image.13">
+                  <p:oleObj spid="_x0000_s1105" name="Image" r:id="rId15" imgW="1574280" imgH="1053720" progId="Photoshop.Image.13">
                     <p:embed/>
                   </p:oleObj>
                 </mc:Choice>
@@ -10162,7 +10162,7 @@
   </p:txStyles>
   <p:extLst mod="1">
     <p:ext uri="{27BBF7A9-308A-43DC-89C8-2F10F3537804}">
-      <p15:sldGuideLst xmlns:p15="http://schemas.microsoft.com/office/powerpoint/2012/main" xmlns="">
+      <p15:sldGuideLst xmlns="" xmlns:p15="http://schemas.microsoft.com/office/powerpoint/2012/main">
         <p15:guide id="1" orient="horz" pos="2891" userDrawn="1">
           <p15:clr>
             <a:srgbClr val="F26B43"/>
@@ -11348,7 +11348,7 @@
               <a:graphicData uri="http://schemas.openxmlformats.org/presentationml/2006/ole">
                 <mc:AlternateContent xmlns:mc="http://schemas.openxmlformats.org/markup-compatibility/2006">
                   <mc:Choice xmlns:v="urn:schemas-microsoft-com:vml" Requires="v">
-                    <p:oleObj spid="_x0000_s2118" name="Image" r:id="rId8" imgW="1828440" imgH="1117440" progId="Photoshop.Image.13">
+                    <p:oleObj spid="_x0000_s2126" name="Image" r:id="rId8" imgW="1828440" imgH="1117440" progId="Photoshop.Image.13">
                       <p:embed/>
                     </p:oleObj>
                   </mc:Choice>
@@ -11405,7 +11405,7 @@
               <a:graphicData uri="http://schemas.openxmlformats.org/presentationml/2006/ole">
                 <mc:AlternateContent xmlns:mc="http://schemas.openxmlformats.org/markup-compatibility/2006">
                   <mc:Choice xmlns:v="urn:schemas-microsoft-com:vml" Requires="v">
-                    <p:oleObj spid="_x0000_s2119" name="Image" r:id="rId10" imgW="1828440" imgH="1117440" progId="Photoshop.Image.13">
+                    <p:oleObj spid="_x0000_s2127" name="Image" r:id="rId10" imgW="1828440" imgH="1117440" progId="Photoshop.Image.13">
                       <p:embed/>
                     </p:oleObj>
                   </mc:Choice>
@@ -12588,7 +12588,7 @@
             <a:graphicData uri="http://schemas.openxmlformats.org/presentationml/2006/ole">
               <mc:AlternateContent xmlns:mc="http://schemas.openxmlformats.org/markup-compatibility/2006">
                 <mc:Choice xmlns:v="urn:schemas-microsoft-com:vml" Requires="v">
-                  <p:oleObj spid="_x0000_s2120" name="Image" r:id="rId12" imgW="4571280" imgH="1688760" progId="Photoshop.Image.13">
+                  <p:oleObj spid="_x0000_s2128" name="Image" r:id="rId12" imgW="4571280" imgH="1688760" progId="Photoshop.Image.13">
                     <p:embed/>
                   </p:oleObj>
                 </mc:Choice>
@@ -12672,7 +12672,7 @@
             <a:graphicData uri="http://schemas.openxmlformats.org/presentationml/2006/ole">
               <mc:AlternateContent xmlns:mc="http://schemas.openxmlformats.org/markup-compatibility/2006">
                 <mc:Choice xmlns:v="urn:schemas-microsoft-com:vml" Requires="v">
-                  <p:oleObj spid="_x0000_s2121" name="Image" r:id="rId15" imgW="1574280" imgH="1053720" progId="Photoshop.Image.13">
+                  <p:oleObj spid="_x0000_s2129" name="Image" r:id="rId15" imgW="1574280" imgH="1053720" progId="Photoshop.Image.13">
                     <p:embed/>
                   </p:oleObj>
                 </mc:Choice>
@@ -17759,11 +17759,7 @@
           <a:p>
             <a:r>
               <a:rPr lang="ru-RU" dirty="0" smtClean="0"/>
-              <a:t>Для подавляющего количества задач, решаемых в области теоретической молекулярной спектроскопии, в последнее время применяются методы, основанные на квантовом расммотрении. Однако, несмотря на значительные вычислительные мощности, доступные в наше время, существуют задачи, в которых квантовое рассмотрение не представляется возможным. </a:t>
-            </a:r>
-            <a:r>
-              <a:rPr lang="ru-RU" dirty="0" smtClean="0"/>
-              <a:t>Существует небольшой класс задач, при решении которых методы классической механики успешно конкурируют как с квантовыми вычислениями, так и с методы молекулярной динамики. К этому классу задач оносят вращение молекулярных систем в условиях сильного колебательно-вращательного взаимодействия</a:t>
+              <a:t>Для подавляющего количества задач, решаемых в области теоретической молекулярной спектроскопии, в последнее время применяются методы, основанные на квантовом расммотрении. Однако, несмотря на значительные вычислительные мощности, доступные в наше время, существуют задачи, в которых квантовое рассмотрение не представляется возможным. Существует небольшой класс задач, при решении которых методы классической механики успешно конкурируют как с квантовыми вычислениями, так и с методы молекулярной динамики. К этому классу задач оносят вращение молекулярных систем в условиях сильного колебательно-вращательного взаимодействия</a:t>
             </a:r>
             <a:r>
               <a:rPr lang="en-US" dirty="0" smtClean="0"/>
@@ -17851,7 +17847,11 @@
           <a:bodyPr/>
           <a:lstStyle/>
           <a:p>
-            <a:endParaRPr lang="en-US"/>
+            <a:r>
+              <a:rPr lang="ru-RU" dirty="0" smtClean="0"/>
+              <a:t>Модельные системы</a:t>
+            </a:r>
+            <a:endParaRPr lang="en-US" dirty="0"/>
           </a:p>
         </p:txBody>
       </p:sp>
@@ -17865,12 +17865,37 @@
             <p:ph type="body" sz="quarter" idx="26"/>
           </p:nvPr>
         </p:nvSpPr>
-        <p:spPr/>
+        <p:spPr>
+          <a:xfrm>
+            <a:off x="16806040" y="5789718"/>
+            <a:ext cx="7807999" cy="5549286"/>
+          </a:xfrm>
+        </p:spPr>
         <p:txBody>
           <a:bodyPr/>
           <a:lstStyle/>
           <a:p>
-            <a:endParaRPr lang="en-US"/>
+            <a:r>
+              <a:rPr lang="ru-RU" dirty="0" smtClean="0"/>
+              <a:t>В качестве первой системы была рассмотрена простейшая модель симметричной трехатомной молекулы </a:t>
+            </a:r>
+            <a:r>
+              <a:rPr lang="en-US" dirty="0" smtClean="0"/>
+              <a:t>H2X. </a:t>
+            </a:r>
+            <a:r>
+              <a:rPr lang="ru-RU" dirty="0" smtClean="0"/>
+              <a:t>В первом приближении расстояние между легкими атомами и центральным атомом положим фиксированным. Таким образом, колебательная динамика молекулярной системы сводится к колебанию деформационного типа. Так как масса тяжелого центрального атома много больше масс легких атомов, поместим центр масс молекулярной системы на тяжелый атом. В качестве потенциала, описывающего деформационное колебание, был взят потенциал Пешля-Теллера, т.к. </a:t>
+            </a:r>
+            <a:r>
+              <a:rPr lang="ru-RU" dirty="0"/>
+              <a:t>э</a:t>
+            </a:r>
+            <a:r>
+              <a:rPr lang="ru-RU" dirty="0" smtClean="0"/>
+              <a:t>нергетический спектр квантового осциллятора с этим потенциалом допускает точное аналитическое решение. ГАМИЛЬТОНИАН</a:t>
+            </a:r>
+            <a:endParaRPr lang="en-US" dirty="0"/>
           </a:p>
         </p:txBody>
       </p:sp>
@@ -17884,12 +17909,21 @@
             <p:ph type="body" sz="quarter" idx="27"/>
           </p:nvPr>
         </p:nvSpPr>
-        <p:spPr/>
+        <p:spPr>
+          <a:xfrm>
+            <a:off x="12725245" y="13983581"/>
+            <a:ext cx="11885529" cy="659288"/>
+          </a:xfrm>
+        </p:spPr>
         <p:txBody>
           <a:bodyPr/>
           <a:lstStyle/>
           <a:p>
-            <a:endParaRPr lang="en-US"/>
+            <a:r>
+              <a:rPr lang="ru-RU" dirty="0" smtClean="0"/>
+              <a:t>Концепция поверхности вращательной энергии</a:t>
+            </a:r>
+            <a:endParaRPr lang="en-US" dirty="0"/>
           </a:p>
         </p:txBody>
       </p:sp>
@@ -17903,12 +17937,57 @@
             <p:ph type="body" sz="quarter" idx="28"/>
           </p:nvPr>
         </p:nvSpPr>
-        <p:spPr/>
+        <p:spPr>
+          <a:xfrm>
+            <a:off x="12714739" y="14889963"/>
+            <a:ext cx="11890085" cy="7543678"/>
+          </a:xfrm>
+        </p:spPr>
         <p:txBody>
           <a:bodyPr/>
           <a:lstStyle/>
           <a:p>
-            <a:endParaRPr lang="en-US"/>
+            <a:r>
+              <a:rPr lang="ru-RU" dirty="0" smtClean="0"/>
+              <a:t>Поверхность вращательной энергии представляет собой двумерную поверхность. Величина вращательной энергии откладывается в направлении вектора углового момента относительно молекулярно-фиксированной системы координат (при фиксированной длине вектора углового момента). Концепция ПВЭ позволяет описать вращательную динамику молекулярной системы с точки зрения модели «мягкого тела». При фиксированном направлении вектора углового момента внутренние координат находят некоторое новое равновесное состояние, определяюшееся величиной центробежных сил. В рамках данного описания внутримолекулярные колебания отсутствуют и молекула вращается вокруг фиксированной в пространстве оси.</a:t>
+            </a:r>
+          </a:p>
+          <a:p>
+            <a:r>
+              <a:rPr lang="ru-RU" dirty="0" smtClean="0"/>
+              <a:t>СИСТЕМА УРАВНЕНИЙ, ОПРЕДЕЛЯЩАЯ ПВЭ. </a:t>
+            </a:r>
+            <a:r>
+              <a:rPr lang="ru-RU" dirty="0" smtClean="0"/>
+              <a:t>УРАВНЕНИЕ ПВЭ ДЛЯ МОДЕЛЬНОЙ СИСТЕМЫ, КАРТИНКИ ПВЭ.</a:t>
+            </a:r>
+          </a:p>
+          <a:p>
+            <a:r>
+              <a:rPr lang="ru-RU" dirty="0" smtClean="0"/>
+              <a:t>При малых значениях момента ПВЭ имеет две устойчивые оси вращения </a:t>
+            </a:r>
+            <a:r>
+              <a:rPr lang="en-US" dirty="0" smtClean="0"/>
+              <a:t>Oz</a:t>
+            </a:r>
+            <a:r>
+              <a:rPr lang="ru-RU" dirty="0" smtClean="0"/>
+              <a:t>, </a:t>
+            </a:r>
+            <a:r>
+              <a:rPr lang="en-US" dirty="0" err="1" smtClean="0"/>
+              <a:t>Oy</a:t>
+            </a:r>
+            <a:r>
+              <a:rPr lang="ru-RU" dirty="0" smtClean="0"/>
+              <a:t> и одну неустойчивую ось, проходящую через пару симметричных седловых точек. Таким образом, на ПВЭ имеется два типа прецессионных движений вектора углового момента. </a:t>
+            </a:r>
+            <a:r>
+              <a:rPr lang="ru-RU" dirty="0" smtClean="0"/>
+              <a:t>Анализ стационарных точек показывает, что перестройка ПВЭ наступает при достижении критического значения модуля углового момента: ФОРМУЛА. При перестройке поверхности две точки максимума теряют свою устойчивость и становятся седловыми точками, одновременно возникают четыре новых точки максимума с координатами ...</a:t>
+            </a:r>
+            <a:endParaRPr lang="en-US" dirty="0"/>
           </a:p>
         </p:txBody>
       </p:sp>
@@ -17922,12 +18001,21 @@
             <p:ph type="body" sz="quarter" idx="29"/>
           </p:nvPr>
         </p:nvSpPr>
-        <p:spPr/>
+        <p:spPr>
+          <a:xfrm>
+            <a:off x="12734461" y="22691941"/>
+            <a:ext cx="11879579" cy="656336"/>
+          </a:xfrm>
+        </p:spPr>
         <p:txBody>
           <a:bodyPr/>
           <a:lstStyle/>
           <a:p>
-            <a:endParaRPr lang="en-US"/>
+            <a:r>
+              <a:rPr lang="ru-RU" dirty="0" smtClean="0"/>
+              <a:t>Фазовые траектории</a:t>
+            </a:r>
+            <a:endParaRPr lang="en-US" dirty="0"/>
           </a:p>
         </p:txBody>
       </p:sp>
@@ -17941,12 +18029,74 @@
             <p:ph type="body" sz="quarter" idx="30"/>
           </p:nvPr>
         </p:nvSpPr>
-        <p:spPr/>
+        <p:spPr>
+          <a:xfrm>
+            <a:off x="12734461" y="23361504"/>
+            <a:ext cx="11885529" cy="7026614"/>
+          </a:xfrm>
+        </p:spPr>
         <p:txBody>
           <a:bodyPr/>
           <a:lstStyle/>
           <a:p>
-            <a:endParaRPr lang="en-US"/>
+            <a:r>
+              <a:rPr lang="ru-RU" dirty="0" smtClean="0"/>
+              <a:t>Система динамических уравнений, полученная для гамильтониана одномерной модели, выглядит следующим образом:</a:t>
+            </a:r>
+          </a:p>
+          <a:p>
+            <a:r>
+              <a:rPr lang="ru-RU" dirty="0" smtClean="0"/>
+              <a:t>ДИНАМИЧЕСКИЕ УРАВНЕНИЯ</a:t>
+            </a:r>
+          </a:p>
+          <a:p>
+            <a:r>
+              <a:rPr lang="ru-RU" dirty="0" smtClean="0"/>
+              <a:t>Фазовые траектории, лежащие на двумерной сфере, описывают динамику конца вектора углового момента. Они задаются парой углов </a:t>
+            </a:r>
+            <a:r>
+              <a:rPr lang="en-US" dirty="0" smtClean="0"/>
+              <a:t>Theta, Phi</a:t>
+            </a:r>
+            <a:r>
+              <a:rPr lang="ru-RU" dirty="0" smtClean="0"/>
+              <a:t>, которые получают при решении полной системы динамических уравнений. На рисунке представлена серия фазовых траекторий основного колебательного состояния, начинающихся в одной точке фазового пространства, но при разных значениях модуля вектора углового момента.</a:t>
+            </a:r>
+            <a:br>
+              <a:rPr lang="ru-RU" dirty="0" smtClean="0"/>
+            </a:br>
+            <a:r>
+              <a:rPr lang="ru-RU" dirty="0" smtClean="0"/>
+              <a:t>ТРАЕКТОРИИ ОДНОМЕРНОЙ МОДЕЛИ</a:t>
+            </a:r>
+          </a:p>
+          <a:p>
+            <a:r>
+              <a:rPr lang="ru-RU" dirty="0" smtClean="0"/>
+              <a:t>Бифуркация вращательной динамики заключается в образовании новых устойчивых осей вращения. При достижении критического значения УГЛОВОГО МОМЕНТА фазовая траектория изменяет свое положение, что доказывает смену устойчивости оси вращения вдоль оси </a:t>
+            </a:r>
+            <a:r>
+              <a:rPr lang="en-US" dirty="0" smtClean="0"/>
+              <a:t>Oz </a:t>
+            </a:r>
+            <a:r>
+              <a:rPr lang="ru-RU" dirty="0" smtClean="0"/>
+              <a:t>и формирование новой устойчивой оси вращения.</a:t>
+            </a:r>
+          </a:p>
+          <a:p>
+            <a:r>
+              <a:rPr lang="ru-RU" dirty="0" smtClean="0"/>
+              <a:t>ТРАЕКТОРИИ ПОЛНОМЕРНОЙ МОДЕЛИ</a:t>
+            </a:r>
+          </a:p>
+          <a:p>
+            <a:r>
+              <a:rPr lang="ru-RU" dirty="0" smtClean="0"/>
+              <a:t>Фазовые траектории, описывающие вращательную динамику полномерной модели, локализуются вокруг новой устойчивой оси вращения при значительно большей величине модуля вектора углового момента.</a:t>
+            </a:r>
+            <a:endParaRPr lang="en-US" dirty="0"/>
           </a:p>
         </p:txBody>
       </p:sp>
@@ -17962,14 +18112,44 @@
         </p:nvSpPr>
         <p:spPr>
           <a:xfrm>
-            <a:off x="529393" y="12641975"/>
-            <a:ext cx="11899368" cy="747972"/>
+            <a:off x="8136014" y="12226310"/>
+            <a:ext cx="4092726" cy="10793799"/>
           </a:xfrm>
         </p:spPr>
         <p:txBody>
           <a:bodyPr/>
           <a:lstStyle/>
           <a:p>
+            <a:r>
+              <a:rPr lang="ru-RU" dirty="0" smtClean="0"/>
+              <a:t>Для получения точного –колебательного вращательного гамильтониана использовалась следующая схема. Первым шагом является получение лагранжиана системы в лабораторной системе координат</a:t>
+            </a:r>
+            <a:r>
+              <a:rPr lang="en-US" dirty="0" smtClean="0"/>
+              <a:t>. </a:t>
+            </a:r>
+            <a:r>
+              <a:rPr lang="ru-RU" dirty="0" smtClean="0"/>
+              <a:t>Стандартная процедура выделения центра масс позволяет сократить количество переменных. </a:t>
+            </a:r>
+            <a:r>
+              <a:rPr lang="ru-RU" dirty="0" smtClean="0"/>
+              <a:t>Переход от лабораторной системы отсчета к подвижной системе может быть осуществлен при помощи трех последовательных поворотов на углы Эйлера (элементы матрицы </a:t>
+            </a:r>
+            <a:r>
+              <a:rPr lang="en-US" dirty="0" smtClean="0"/>
+              <a:t>S </a:t>
+            </a:r>
+            <a:r>
+              <a:rPr lang="ru-RU" dirty="0" smtClean="0"/>
+              <a:t>в приведенной схеме, могут быть выражены как функции эйлеровых углов).</a:t>
+            </a:r>
+          </a:p>
+          <a:p>
+            <a:r>
+              <a:rPr lang="ru-RU" dirty="0" smtClean="0"/>
+              <a:t>Примененяя теорему Донкина, переходим к гамильтониану системы в подвижной системе отсчета. </a:t>
+            </a:r>
             <a:endParaRPr lang="en-US" dirty="0"/>
           </a:p>
         </p:txBody>
@@ -18063,7 +18243,7 @@
           <p:nvPr/>
         </p:nvPicPr>
         <p:blipFill>
-          <a:blip r:embed="rId3">
+          <a:blip r:embed="rId4">
             <a:extLst>
               <a:ext uri="{28A0092B-C50C-407E-A947-70E740481C1C}">
                 <a14:useLocalDpi xmlns:a14="http://schemas.microsoft.com/office/drawing/2010/main" val="0"/>
@@ -18093,7 +18273,7 @@
           <p:nvPr/>
         </p:nvPicPr>
         <p:blipFill>
-          <a:blip r:embed="rId3">
+          <a:blip r:embed="rId4">
             <a:extLst>
               <a:ext uri="{28A0092B-C50C-407E-A947-70E740481C1C}">
                 <a14:useLocalDpi xmlns:a14="http://schemas.microsoft.com/office/drawing/2010/main" val="0"/>
@@ -18114,6 +18294,279 @@
           </a:prstGeom>
         </p:spPr>
       </p:pic>
+      <p:graphicFrame>
+        <p:nvGraphicFramePr>
+          <p:cNvPr id="5" name="Object 4"/>
+          <p:cNvGraphicFramePr>
+            <a:graphicFrameLocks noChangeAspect="1"/>
+          </p:cNvGraphicFramePr>
+          <p:nvPr>
+            <p:extLst>
+              <p:ext uri="{D42A27DB-BD31-4B8C-83A1-F6EECF244321}">
+                <p14:modId xmlns:p14="http://schemas.microsoft.com/office/powerpoint/2010/main" val="3336358872"/>
+              </p:ext>
+            </p:extLst>
+          </p:nvPr>
+        </p:nvGraphicFramePr>
+        <p:xfrm>
+          <a:off x="655517" y="12226310"/>
+          <a:ext cx="7480497" cy="9361709"/>
+        </p:xfrm>
+        <a:graphic>
+          <a:graphicData uri="http://schemas.openxmlformats.org/presentationml/2006/ole">
+            <mc:AlternateContent xmlns:mc="http://schemas.openxmlformats.org/markup-compatibility/2006">
+              <mc:Choice xmlns:v="urn:schemas-microsoft-com:vml" Requires="v">
+                <p:oleObj spid="_x0000_s3083" name="Acrobat Document" r:id="rId5" imgW="3505068" imgH="5352983" progId="AcroExch.Document.DC">
+                  <p:embed/>
+                </p:oleObj>
+              </mc:Choice>
+              <mc:Fallback>
+                <p:oleObj name="Acrobat Document" r:id="rId5" imgW="3505068" imgH="5352983" progId="AcroExch.Document.DC">
+                  <p:embed/>
+                  <p:pic>
+                    <p:nvPicPr>
+                      <p:cNvPr id="0" name=""/>
+                      <p:cNvPicPr/>
+                      <p:nvPr/>
+                    </p:nvPicPr>
+                    <p:blipFill>
+                      <a:blip r:embed="rId6"/>
+                      <a:stretch>
+                        <a:fillRect/>
+                      </a:stretch>
+                    </p:blipFill>
+                    <p:spPr>
+                      <a:xfrm>
+                        <a:off x="655517" y="12226310"/>
+                        <a:ext cx="7480497" cy="9361709"/>
+                      </a:xfrm>
+                      <a:prstGeom prst="rect">
+                        <a:avLst/>
+                      </a:prstGeom>
+                    </p:spPr>
+                  </p:pic>
+                </p:oleObj>
+              </mc:Fallback>
+            </mc:AlternateContent>
+          </a:graphicData>
+        </a:graphic>
+      </p:graphicFrame>
+      <p:sp>
+        <p:nvSpPr>
+          <p:cNvPr id="6" name="TextBox 5"/>
+          <p:cNvSpPr txBox="1"/>
+          <p:nvPr/>
+        </p:nvSpPr>
+        <p:spPr>
+          <a:xfrm>
+            <a:off x="1147762" y="22276676"/>
+            <a:ext cx="6988252" cy="8217634"/>
+          </a:xfrm>
+          <a:prstGeom prst="rect">
+            <a:avLst/>
+          </a:prstGeom>
+          <a:noFill/>
+        </p:spPr>
+        <p:txBody>
+          <a:bodyPr wrap="square" rtlCol="0">
+            <a:spAutoFit/>
+          </a:bodyPr>
+          <a:lstStyle/>
+          <a:p>
+            <a:r>
+              <a:rPr lang="ru-RU" sz="2400" dirty="0"/>
+              <a:t>Полной системой динамических уравнений называют совокупность </a:t>
+            </a:r>
+            <a:r>
+              <a:rPr lang="en-US" sz="2400" dirty="0"/>
+              <a:t>2s </a:t>
+            </a:r>
+            <a:r>
+              <a:rPr lang="ru-RU" sz="2400" dirty="0"/>
+              <a:t>уравнений Гамильтона и двух обобщенных уравнений Эйлера</a:t>
+            </a:r>
+            <a:r>
+              <a:rPr lang="ru-RU" sz="2400" dirty="0" smtClean="0"/>
+              <a:t>. Используя закон сохранения углового момента, перейдем к угловым переменным </a:t>
+            </a:r>
+            <a:r>
+              <a:rPr lang="en-US" sz="2400" dirty="0" smtClean="0"/>
+              <a:t>Theta </a:t>
+            </a:r>
+            <a:r>
+              <a:rPr lang="ru-RU" sz="2400" dirty="0" smtClean="0"/>
+              <a:t>и </a:t>
+            </a:r>
+            <a:r>
+              <a:rPr lang="en-US" sz="2400" dirty="0" smtClean="0"/>
+              <a:t>Phi, </a:t>
+            </a:r>
+            <a:r>
+              <a:rPr lang="ru-RU" sz="2400" dirty="0" smtClean="0"/>
+              <a:t>определяющим направление вектора углового момента </a:t>
+            </a:r>
+            <a:r>
+              <a:rPr lang="en-US" sz="2400" dirty="0" smtClean="0"/>
+              <a:t>J </a:t>
+            </a:r>
+            <a:r>
+              <a:rPr lang="ru-RU" sz="2400" dirty="0" smtClean="0"/>
+              <a:t>в подвижной системе отсчета.</a:t>
+            </a:r>
+          </a:p>
+          <a:p>
+            <a:r>
+              <a:rPr lang="ru-RU" sz="2400" dirty="0" smtClean="0"/>
+              <a:t>Углы </a:t>
+            </a:r>
+            <a:r>
+              <a:rPr lang="en-US" sz="2400" dirty="0" smtClean="0"/>
+              <a:t>Theta, Phi </a:t>
+            </a:r>
+            <a:r>
+              <a:rPr lang="ru-RU" sz="2400" dirty="0" smtClean="0"/>
+              <a:t>описывают двумерное подпространство вращательной задачи в </a:t>
+            </a:r>
+            <a:r>
+              <a:rPr lang="en-US" sz="2400" dirty="0" smtClean="0">
+                <a:latin typeface="Times New Roman" panose="02020603050405020304" pitchFamily="18" charset="0"/>
+                <a:cs typeface="Times New Roman" panose="02020603050405020304" pitchFamily="18" charset="0"/>
+              </a:rPr>
+              <a:t>(2s+2)-</a:t>
+            </a:r>
+            <a:r>
+              <a:rPr lang="ru-RU" sz="2400" dirty="0" smtClean="0">
+                <a:latin typeface="Times New Roman" panose="02020603050405020304" pitchFamily="18" charset="0"/>
+                <a:cs typeface="Times New Roman" panose="02020603050405020304" pitchFamily="18" charset="0"/>
+              </a:rPr>
+              <a:t>мерном фазовом пространстве колебательно-вращательной задчи. В результате решения представленной системы дифференциальных уравнений имеем зависимости </a:t>
+            </a:r>
+            <a:r>
+              <a:rPr lang="en-US" sz="2400" dirty="0" smtClean="0">
+                <a:latin typeface="Times New Roman" panose="02020603050405020304" pitchFamily="18" charset="0"/>
+                <a:cs typeface="Times New Roman" panose="02020603050405020304" pitchFamily="18" charset="0"/>
+              </a:rPr>
+              <a:t>Theta(t), Phi(t), </a:t>
+            </a:r>
+            <a:r>
+              <a:rPr lang="ru-RU" sz="2400" dirty="0" smtClean="0">
+                <a:latin typeface="Times New Roman" panose="02020603050405020304" pitchFamily="18" charset="0"/>
+                <a:cs typeface="Times New Roman" panose="02020603050405020304" pitchFamily="18" charset="0"/>
+              </a:rPr>
+              <a:t>которые параметрически задают вращательную фазовую траекторию – траекторию конца вектора углового момента </a:t>
+            </a:r>
+            <a:r>
+              <a:rPr lang="en-US" sz="2400" dirty="0" smtClean="0">
+                <a:latin typeface="Times New Roman" panose="02020603050405020304" pitchFamily="18" charset="0"/>
+                <a:cs typeface="Times New Roman" panose="02020603050405020304" pitchFamily="18" charset="0"/>
+              </a:rPr>
+              <a:t>J </a:t>
+            </a:r>
+            <a:r>
+              <a:rPr lang="ru-RU" sz="2400" dirty="0" smtClean="0">
+                <a:latin typeface="Times New Roman" panose="02020603050405020304" pitchFamily="18" charset="0"/>
+                <a:cs typeface="Times New Roman" panose="02020603050405020304" pitchFamily="18" charset="0"/>
+              </a:rPr>
+              <a:t>на сфере радиуса </a:t>
+            </a:r>
+            <a:r>
+              <a:rPr lang="en-US" sz="2400" dirty="0" smtClean="0">
+                <a:latin typeface="Times New Roman" panose="02020603050405020304" pitchFamily="18" charset="0"/>
+                <a:cs typeface="Times New Roman" panose="02020603050405020304" pitchFamily="18" charset="0"/>
+              </a:rPr>
+              <a:t>J. </a:t>
+            </a:r>
+            <a:r>
+              <a:rPr lang="ru-RU" sz="2400" dirty="0" smtClean="0">
+                <a:latin typeface="Times New Roman" panose="02020603050405020304" pitchFamily="18" charset="0"/>
+                <a:cs typeface="Times New Roman" panose="02020603050405020304" pitchFamily="18" charset="0"/>
+              </a:rPr>
+              <a:t>Отметим, что полученная система уравнений содержит минимально возможное количество динамических уравнений</a:t>
+            </a:r>
+            <a:r>
+              <a:rPr lang="en-US" sz="2400" dirty="0" smtClean="0">
+                <a:latin typeface="Times New Roman" panose="02020603050405020304" pitchFamily="18" charset="0"/>
+                <a:cs typeface="Times New Roman" panose="02020603050405020304" pitchFamily="18" charset="0"/>
+              </a:rPr>
+              <a:t>, 2s + 2. </a:t>
+            </a:r>
+            <a:r>
+              <a:rPr lang="ru-RU" sz="2400" dirty="0" smtClean="0">
+                <a:latin typeface="Times New Roman" panose="02020603050405020304" pitchFamily="18" charset="0"/>
+                <a:cs typeface="Times New Roman" panose="02020603050405020304" pitchFamily="18" charset="0"/>
+              </a:rPr>
+              <a:t>Т.е. интегралы движения колебательно-вращательной задачи в максимальной степени учтены при формировании системы динамических уравнений.</a:t>
+            </a:r>
+            <a:endParaRPr lang="en-US" sz="2400" dirty="0"/>
+          </a:p>
+        </p:txBody>
+      </p:sp>
+      <p:pic>
+        <p:nvPicPr>
+          <p:cNvPr id="7" name="Picture 6"/>
+          <p:cNvPicPr>
+            <a:picLocks noChangeAspect="1"/>
+          </p:cNvPicPr>
+          <p:nvPr/>
+        </p:nvPicPr>
+        <p:blipFill>
+          <a:blip r:embed="rId7">
+            <a:extLst>
+              <a:ext uri="{28A0092B-C50C-407E-A947-70E740481C1C}">
+                <a14:useLocalDpi xmlns:a14="http://schemas.microsoft.com/office/drawing/2010/main" val="0"/>
+              </a:ext>
+            </a:extLst>
+          </a:blip>
+          <a:stretch>
+            <a:fillRect/>
+          </a:stretch>
+        </p:blipFill>
+        <p:spPr>
+          <a:xfrm>
+            <a:off x="12965359" y="5789719"/>
+            <a:ext cx="3725807" cy="2249326"/>
+          </a:xfrm>
+          <a:prstGeom prst="rect">
+            <a:avLst/>
+          </a:prstGeom>
+        </p:spPr>
+      </p:pic>
+      <p:sp>
+        <p:nvSpPr>
+          <p:cNvPr id="8" name="TextBox 7"/>
+          <p:cNvSpPr txBox="1"/>
+          <p:nvPr/>
+        </p:nvSpPr>
+        <p:spPr>
+          <a:xfrm>
+            <a:off x="13479516" y="11710597"/>
+            <a:ext cx="10815145" cy="1938992"/>
+          </a:xfrm>
+          <a:prstGeom prst="rect">
+            <a:avLst/>
+          </a:prstGeom>
+          <a:noFill/>
+        </p:spPr>
+        <p:txBody>
+          <a:bodyPr wrap="square" rtlCol="0">
+            <a:spAutoFit/>
+          </a:bodyPr>
+          <a:lstStyle/>
+          <a:p>
+            <a:r>
+              <a:rPr lang="ru-RU" sz="2400" dirty="0" smtClean="0">
+                <a:latin typeface="Times New Roman" panose="02020603050405020304" pitchFamily="18" charset="0"/>
+                <a:cs typeface="Times New Roman" panose="02020603050405020304" pitchFamily="18" charset="0"/>
+              </a:rPr>
+              <a:t>Вторая модель трехатомного гидрида допускала помимо деформационного колебания две валентных степени свободы. Потенциал был разбит на две независимые составляющие, причем деформационная составляющая описывалась потенциалом Пешля-Теллера, а валентная – гармоиическим потенциалом и реалистическим потенциалом Морзе. ГАМИЛЬТОНИАН</a:t>
+            </a:r>
+            <a:endParaRPr lang="ru-RU" sz="2400" dirty="0">
+              <a:latin typeface="Times New Roman" panose="02020603050405020304" pitchFamily="18" charset="0"/>
+              <a:cs typeface="Times New Roman" panose="02020603050405020304" pitchFamily="18" charset="0"/>
+            </a:endParaRPr>
+          </a:p>
+        </p:txBody>
+      </p:sp>
     </p:spTree>
     <p:extLst>
       <p:ext uri="{BB962C8B-B14F-4D97-AF65-F5344CB8AC3E}">
